--- a/presentation/resources/als-dataflow.pptx
+++ b/presentation/resources/als-dataflow.pptx
@@ -289,7 +289,7 @@
             <a:fld id="{CD66EB5A-4F37-441C-A97C-356D4BF20A1B}" type="datetimeFigureOut">
               <a:rPr lang="de-DE" smtClean="0"/>
               <a:pPr/>
-              <a:t>31/03/14</a:t>
+              <a:t>02/04/14</a:t>
             </a:fld>
             <a:endParaRPr lang="de-DE"/>
           </a:p>
@@ -456,7 +456,7 @@
             <a:fld id="{CD66EB5A-4F37-441C-A97C-356D4BF20A1B}" type="datetimeFigureOut">
               <a:rPr lang="de-DE" smtClean="0"/>
               <a:pPr/>
-              <a:t>31/03/14</a:t>
+              <a:t>02/04/14</a:t>
             </a:fld>
             <a:endParaRPr lang="de-DE"/>
           </a:p>
@@ -633,7 +633,7 @@
             <a:fld id="{CD66EB5A-4F37-441C-A97C-356D4BF20A1B}" type="datetimeFigureOut">
               <a:rPr lang="de-DE" smtClean="0"/>
               <a:pPr/>
-              <a:t>31/03/14</a:t>
+              <a:t>02/04/14</a:t>
             </a:fld>
             <a:endParaRPr lang="de-DE"/>
           </a:p>
@@ -800,7 +800,7 @@
             <a:fld id="{CD66EB5A-4F37-441C-A97C-356D4BF20A1B}" type="datetimeFigureOut">
               <a:rPr lang="de-DE" smtClean="0"/>
               <a:pPr/>
-              <a:t>31/03/14</a:t>
+              <a:t>02/04/14</a:t>
             </a:fld>
             <a:endParaRPr lang="de-DE"/>
           </a:p>
@@ -1043,7 +1043,7 @@
             <a:fld id="{CD66EB5A-4F37-441C-A97C-356D4BF20A1B}" type="datetimeFigureOut">
               <a:rPr lang="de-DE" smtClean="0"/>
               <a:pPr/>
-              <a:t>31/03/14</a:t>
+              <a:t>02/04/14</a:t>
             </a:fld>
             <a:endParaRPr lang="de-DE"/>
           </a:p>
@@ -1328,7 +1328,7 @@
             <a:fld id="{CD66EB5A-4F37-441C-A97C-356D4BF20A1B}" type="datetimeFigureOut">
               <a:rPr lang="de-DE" smtClean="0"/>
               <a:pPr/>
-              <a:t>31/03/14</a:t>
+              <a:t>02/04/14</a:t>
             </a:fld>
             <a:endParaRPr lang="de-DE"/>
           </a:p>
@@ -1747,7 +1747,7 @@
             <a:fld id="{CD66EB5A-4F37-441C-A97C-356D4BF20A1B}" type="datetimeFigureOut">
               <a:rPr lang="de-DE" smtClean="0"/>
               <a:pPr/>
-              <a:t>31/03/14</a:t>
+              <a:t>02/04/14</a:t>
             </a:fld>
             <a:endParaRPr lang="de-DE"/>
           </a:p>
@@ -1862,7 +1862,7 @@
             <a:fld id="{CD66EB5A-4F37-441C-A97C-356D4BF20A1B}" type="datetimeFigureOut">
               <a:rPr lang="de-DE" smtClean="0"/>
               <a:pPr/>
-              <a:t>31/03/14</a:t>
+              <a:t>02/04/14</a:t>
             </a:fld>
             <a:endParaRPr lang="de-DE"/>
           </a:p>
@@ -1954,7 +1954,7 @@
             <a:fld id="{CD66EB5A-4F37-441C-A97C-356D4BF20A1B}" type="datetimeFigureOut">
               <a:rPr lang="de-DE" smtClean="0"/>
               <a:pPr/>
-              <a:t>31/03/14</a:t>
+              <a:t>02/04/14</a:t>
             </a:fld>
             <a:endParaRPr lang="de-DE"/>
           </a:p>
@@ -2228,7 +2228,7 @@
             <a:fld id="{CD66EB5A-4F37-441C-A97C-356D4BF20A1B}" type="datetimeFigureOut">
               <a:rPr lang="de-DE" smtClean="0"/>
               <a:pPr/>
-              <a:t>31/03/14</a:t>
+              <a:t>02/04/14</a:t>
             </a:fld>
             <a:endParaRPr lang="de-DE"/>
           </a:p>
@@ -2478,7 +2478,7 @@
             <a:fld id="{CD66EB5A-4F37-441C-A97C-356D4BF20A1B}" type="datetimeFigureOut">
               <a:rPr lang="de-DE" smtClean="0"/>
               <a:pPr/>
-              <a:t>31/03/14</a:t>
+              <a:t>02/04/14</a:t>
             </a:fld>
             <a:endParaRPr lang="de-DE"/>
           </a:p>
@@ -2688,7 +2688,7 @@
             <a:fld id="{CD66EB5A-4F37-441C-A97C-356D4BF20A1B}" type="datetimeFigureOut">
               <a:rPr lang="de-DE" smtClean="0"/>
               <a:pPr/>
-              <a:t>31/03/14</a:t>
+              <a:t>02/04/14</a:t>
             </a:fld>
             <a:endParaRPr lang="de-DE"/>
           </a:p>
@@ -3103,8 +3103,8 @@
         </p:nvSpPr>
         <p:spPr>
           <a:xfrm>
-            <a:off x="2375756" y="4221088"/>
-            <a:ext cx="3744416" cy="785818"/>
+            <a:off x="2699792" y="4221088"/>
+            <a:ext cx="3096344" cy="785818"/>
           </a:xfrm>
           <a:prstGeom prst="roundRect">
             <a:avLst/>
@@ -3171,7 +3171,7 @@
         </p:nvSpPr>
         <p:spPr>
           <a:xfrm>
-            <a:off x="2375756" y="5301208"/>
+            <a:off x="2771800" y="5301208"/>
             <a:ext cx="928694" cy="928694"/>
           </a:xfrm>
           <a:prstGeom prst="ellipse">
@@ -3516,7 +3516,7 @@
         </p:nvSpPr>
         <p:spPr>
           <a:xfrm>
-            <a:off x="5184068" y="5301208"/>
+            <a:off x="4860032" y="5301208"/>
             <a:ext cx="928694" cy="928694"/>
           </a:xfrm>
           <a:prstGeom prst="ellipse">
@@ -3576,7 +3576,7 @@
         </p:nvCxnSpPr>
         <p:spPr>
           <a:xfrm flipV="1">
-            <a:off x="2879812" y="5013176"/>
+            <a:off x="3275856" y="5013176"/>
             <a:ext cx="8929" cy="273212"/>
           </a:xfrm>
           <a:prstGeom prst="straightConnector1">
@@ -3613,7 +3613,7 @@
         </p:nvCxnSpPr>
         <p:spPr>
           <a:xfrm flipV="1">
-            <a:off x="5688124" y="5013176"/>
+            <a:off x="5364088" y="5013176"/>
             <a:ext cx="8929" cy="273212"/>
           </a:xfrm>
           <a:prstGeom prst="straightConnector1">
@@ -3651,25 +3651,25 @@
           <p:nvPr>
             <p:extLst>
               <p:ext uri="{D42A27DB-BD31-4B8C-83A1-F6EECF244321}">
-                <p14:modId xmlns:p14="http://schemas.microsoft.com/office/powerpoint/2010/main" val="2776402850"/>
+                <p14:modId xmlns:p14="http://schemas.microsoft.com/office/powerpoint/2010/main" val="3170670408"/>
               </p:ext>
             </p:extLst>
           </p:nvPr>
         </p:nvGraphicFramePr>
         <p:xfrm>
-          <a:off x="3815916" y="1196752"/>
-          <a:ext cx="825500" cy="533400"/>
+          <a:off x="3181350" y="1196975"/>
+          <a:ext cx="2095500" cy="533400"/>
         </p:xfrm>
         <a:graphic>
           <a:graphicData uri="http://schemas.openxmlformats.org/presentationml/2006/ole">
             <mc:AlternateContent xmlns:mc="http://schemas.openxmlformats.org/markup-compatibility/2006">
               <mc:Choice xmlns:v="urn:schemas-microsoft-com:vml" Requires="v">
-                <p:oleObj spid="_x0000_s1032" name="Formel" r:id="rId3" imgW="825500" imgH="533400" progId="Equation.3">
+                <p:oleObj spid="_x0000_s1045" name="Equation" r:id="rId3" imgW="2095500" imgH="533400" progId="Equation.3">
                   <p:embed/>
                 </p:oleObj>
               </mc:Choice>
               <mc:Fallback>
-                <p:oleObj name="Formel" r:id="rId3" imgW="825500" imgH="533400" progId="Equation.3">
+                <p:oleObj name="Equation" r:id="rId3" imgW="2095500" imgH="533400" progId="Equation.3">
                   <p:embed/>
                   <p:pic>
                     <p:nvPicPr>
@@ -3685,8 +3685,8 @@
                     </p:blipFill>
                     <p:spPr>
                       <a:xfrm>
-                        <a:off x="3815916" y="1196752"/>
-                        <a:ext cx="825500" cy="533400"/>
+                        <a:off x="3181350" y="1196975"/>
+                        <a:ext cx="2095500" cy="533400"/>
                       </a:xfrm>
                       <a:prstGeom prst="rect">
                         <a:avLst/>
@@ -3708,25 +3708,25 @@
           <p:nvPr>
             <p:extLst>
               <p:ext uri="{D42A27DB-BD31-4B8C-83A1-F6EECF244321}">
-                <p14:modId xmlns:p14="http://schemas.microsoft.com/office/powerpoint/2010/main" val="3379530807"/>
+                <p14:modId xmlns:p14="http://schemas.microsoft.com/office/powerpoint/2010/main" val="3119450858"/>
               </p:ext>
             </p:extLst>
           </p:nvPr>
         </p:nvGraphicFramePr>
         <p:xfrm>
-          <a:off x="3599892" y="3573016"/>
-          <a:ext cx="1282700" cy="292100"/>
+          <a:off x="3022600" y="3573463"/>
+          <a:ext cx="2438400" cy="292100"/>
         </p:xfrm>
         <a:graphic>
           <a:graphicData uri="http://schemas.openxmlformats.org/presentationml/2006/ole">
             <mc:AlternateContent xmlns:mc="http://schemas.openxmlformats.org/markup-compatibility/2006">
               <mc:Choice xmlns:v="urn:schemas-microsoft-com:vml" Requires="v">
-                <p:oleObj spid="_x0000_s1033" name="Formel" r:id="rId5" imgW="1282700" imgH="292100" progId="Equation.3">
+                <p:oleObj spid="_x0000_s1046" name="Equation" r:id="rId5" imgW="2438400" imgH="292100" progId="Equation.3">
                   <p:embed/>
                 </p:oleObj>
               </mc:Choice>
               <mc:Fallback>
-                <p:oleObj name="Formel" r:id="rId5" imgW="1282700" imgH="292100" progId="Equation.3">
+                <p:oleObj name="Equation" r:id="rId5" imgW="2438400" imgH="292100" progId="Equation.3">
                   <p:embed/>
                   <p:pic>
                     <p:nvPicPr>
@@ -3742,8 +3742,8 @@
                     </p:blipFill>
                     <p:spPr>
                       <a:xfrm>
-                        <a:off x="3599892" y="3573016"/>
-                        <a:ext cx="1282700" cy="292100"/>
+                        <a:off x="3022600" y="3573463"/>
+                        <a:ext cx="2438400" cy="292100"/>
                       </a:xfrm>
                       <a:prstGeom prst="rect">
                         <a:avLst/>
@@ -3765,25 +3765,25 @@
           <p:nvPr>
             <p:extLst>
               <p:ext uri="{D42A27DB-BD31-4B8C-83A1-F6EECF244321}">
-                <p14:modId xmlns:p14="http://schemas.microsoft.com/office/powerpoint/2010/main" val="235337453"/>
+                <p14:modId xmlns:p14="http://schemas.microsoft.com/office/powerpoint/2010/main" val="2245297010"/>
               </p:ext>
             </p:extLst>
           </p:nvPr>
         </p:nvGraphicFramePr>
         <p:xfrm>
-          <a:off x="2807804" y="2492896"/>
-          <a:ext cx="2933700" cy="266700"/>
+          <a:off x="3513138" y="2486025"/>
+          <a:ext cx="1524000" cy="279400"/>
         </p:xfrm>
         <a:graphic>
           <a:graphicData uri="http://schemas.openxmlformats.org/presentationml/2006/ole">
             <mc:AlternateContent xmlns:mc="http://schemas.openxmlformats.org/markup-compatibility/2006">
               <mc:Choice xmlns:v="urn:schemas-microsoft-com:vml" Requires="v">
-                <p:oleObj spid="_x0000_s1034" name="Formel" r:id="rId7" imgW="2933700" imgH="266700" progId="Equation.3">
+                <p:oleObj spid="_x0000_s1047" name="Equation" r:id="rId7" imgW="1524000" imgH="279400" progId="Equation.3">
                   <p:embed/>
                 </p:oleObj>
               </mc:Choice>
               <mc:Fallback>
-                <p:oleObj name="Formel" r:id="rId7" imgW="2933700" imgH="266700" progId="Equation.3">
+                <p:oleObj name="Equation" r:id="rId7" imgW="1524000" imgH="279400" progId="Equation.3">
                   <p:embed/>
                   <p:pic>
                     <p:nvPicPr>
@@ -3799,8 +3799,8 @@
                     </p:blipFill>
                     <p:spPr>
                       <a:xfrm>
-                        <a:off x="2807804" y="2492896"/>
-                        <a:ext cx="2933700" cy="266700"/>
+                        <a:off x="3513138" y="2486025"/>
+                        <a:ext cx="1524000" cy="279400"/>
                       </a:xfrm>
                       <a:prstGeom prst="rect">
                         <a:avLst/>
@@ -3822,25 +3822,25 @@
           <p:nvPr>
             <p:extLst>
               <p:ext uri="{D42A27DB-BD31-4B8C-83A1-F6EECF244321}">
-                <p14:modId xmlns:p14="http://schemas.microsoft.com/office/powerpoint/2010/main" val="1469383285"/>
+                <p14:modId xmlns:p14="http://schemas.microsoft.com/office/powerpoint/2010/main" val="2085251207"/>
               </p:ext>
             </p:extLst>
           </p:nvPr>
         </p:nvGraphicFramePr>
         <p:xfrm>
-          <a:off x="2519772" y="4653136"/>
-          <a:ext cx="3467100" cy="279400"/>
+          <a:off x="3078163" y="4646613"/>
+          <a:ext cx="2349500" cy="292100"/>
         </p:xfrm>
         <a:graphic>
           <a:graphicData uri="http://schemas.openxmlformats.org/presentationml/2006/ole">
             <mc:AlternateContent xmlns:mc="http://schemas.openxmlformats.org/markup-compatibility/2006">
               <mc:Choice xmlns:v="urn:schemas-microsoft-com:vml" Requires="v">
-                <p:oleObj spid="_x0000_s1035" name="Formel" r:id="rId9" imgW="3467100" imgH="279400" progId="Equation.3">
+                <p:oleObj spid="_x0000_s1048" name="Equation" r:id="rId9" imgW="2349500" imgH="292100" progId="Equation.3">
                   <p:embed/>
                 </p:oleObj>
               </mc:Choice>
               <mc:Fallback>
-                <p:oleObj name="Formel" r:id="rId9" imgW="3467100" imgH="279400" progId="Equation.3">
+                <p:oleObj name="Equation" r:id="rId9" imgW="2349500" imgH="292100" progId="Equation.3">
                   <p:embed/>
                   <p:pic>
                     <p:nvPicPr>
@@ -3856,8 +3856,122 @@
                     </p:blipFill>
                     <p:spPr>
                       <a:xfrm>
-                        <a:off x="2519772" y="4653136"/>
-                        <a:ext cx="3467100" cy="279400"/>
+                        <a:off x="3078163" y="4646613"/>
+                        <a:ext cx="2349500" cy="292100"/>
+                      </a:xfrm>
+                      <a:prstGeom prst="rect">
+                        <a:avLst/>
+                      </a:prstGeom>
+                    </p:spPr>
+                  </p:pic>
+                </p:oleObj>
+              </mc:Fallback>
+            </mc:AlternateContent>
+          </a:graphicData>
+        </a:graphic>
+      </p:graphicFrame>
+      <p:graphicFrame>
+        <p:nvGraphicFramePr>
+          <p:cNvPr id="3" name="Objekt 2"/>
+          <p:cNvGraphicFramePr>
+            <a:graphicFrameLocks noChangeAspect="1"/>
+          </p:cNvGraphicFramePr>
+          <p:nvPr>
+            <p:extLst>
+              <p:ext uri="{D42A27DB-BD31-4B8C-83A1-F6EECF244321}">
+                <p14:modId xmlns:p14="http://schemas.microsoft.com/office/powerpoint/2010/main" val="1065988592"/>
+              </p:ext>
+            </p:extLst>
+          </p:nvPr>
+        </p:nvGraphicFramePr>
+        <p:xfrm>
+          <a:off x="2339752" y="6309320"/>
+          <a:ext cx="1790700" cy="279400"/>
+        </p:xfrm>
+        <a:graphic>
+          <a:graphicData uri="http://schemas.openxmlformats.org/presentationml/2006/ole">
+            <mc:AlternateContent xmlns:mc="http://schemas.openxmlformats.org/markup-compatibility/2006">
+              <mc:Choice xmlns:v="urn:schemas-microsoft-com:vml" Requires="v">
+                <p:oleObj spid="_x0000_s1049" name="Equation" r:id="rId11" imgW="1790700" imgH="279400" progId="Equation.3">
+                  <p:embed/>
+                </p:oleObj>
+              </mc:Choice>
+              <mc:Fallback>
+                <p:oleObj name="Equation" r:id="rId11" imgW="1790700" imgH="279400" progId="Equation.3">
+                  <p:embed/>
+                  <p:pic>
+                    <p:nvPicPr>
+                      <p:cNvPr id="0" name=""/>
+                      <p:cNvPicPr/>
+                      <p:nvPr/>
+                    </p:nvPicPr>
+                    <p:blipFill>
+                      <a:blip r:embed="rId12"/>
+                      <a:stretch>
+                        <a:fillRect/>
+                      </a:stretch>
+                    </p:blipFill>
+                    <p:spPr>
+                      <a:xfrm>
+                        <a:off x="2339752" y="6309320"/>
+                        <a:ext cx="1790700" cy="279400"/>
+                      </a:xfrm>
+                      <a:prstGeom prst="rect">
+                        <a:avLst/>
+                      </a:prstGeom>
+                    </p:spPr>
+                  </p:pic>
+                </p:oleObj>
+              </mc:Fallback>
+            </mc:AlternateContent>
+          </a:graphicData>
+        </a:graphic>
+      </p:graphicFrame>
+      <p:graphicFrame>
+        <p:nvGraphicFramePr>
+          <p:cNvPr id="19" name="Objekt 18"/>
+          <p:cNvGraphicFramePr>
+            <a:graphicFrameLocks noChangeAspect="1"/>
+          </p:cNvGraphicFramePr>
+          <p:nvPr>
+            <p:extLst>
+              <p:ext uri="{D42A27DB-BD31-4B8C-83A1-F6EECF244321}">
+                <p14:modId xmlns:p14="http://schemas.microsoft.com/office/powerpoint/2010/main" val="1277852028"/>
+              </p:ext>
+            </p:extLst>
+          </p:nvPr>
+        </p:nvGraphicFramePr>
+        <p:xfrm>
+          <a:off x="4427984" y="6309320"/>
+          <a:ext cx="1790700" cy="279400"/>
+        </p:xfrm>
+        <a:graphic>
+          <a:graphicData uri="http://schemas.openxmlformats.org/presentationml/2006/ole">
+            <mc:AlternateContent xmlns:mc="http://schemas.openxmlformats.org/markup-compatibility/2006">
+              <mc:Choice xmlns:v="urn:schemas-microsoft-com:vml" Requires="v">
+                <p:oleObj spid="_x0000_s1050" name="Equation" r:id="rId13" imgW="1790700" imgH="279400" progId="Equation.3">
+                  <p:embed/>
+                </p:oleObj>
+              </mc:Choice>
+              <mc:Fallback>
+                <p:oleObj name="Equation" r:id="rId13" imgW="1790700" imgH="279400" progId="Equation.3">
+                  <p:embed/>
+                  <p:pic>
+                    <p:nvPicPr>
+                      <p:cNvPr id="0" name=""/>
+                      <p:cNvPicPr/>
+                      <p:nvPr/>
+                    </p:nvPicPr>
+                    <p:blipFill>
+                      <a:blip r:embed="rId12"/>
+                      <a:stretch>
+                        <a:fillRect/>
+                      </a:stretch>
+                    </p:blipFill>
+                    <p:spPr>
+                      <a:xfrm>
+                        <a:off x="4427984" y="6309320"/>
+                        <a:ext cx="1790700" cy="279400"/>
                       </a:xfrm>
                       <a:prstGeom prst="rect">
                         <a:avLst/>
